--- a/93配受賞賜.pptx
+++ b/93配受賞賜.pptx
@@ -1111,7 +1111,7 @@
               <a:pPr>
                 <a:defRPr/>
               </a:pPr>
-              <a:t>11/10/2018</a:t>
+              <a:t>4/17/2016</a:t>
             </a:fld>
             <a:endParaRPr lang="en-US" altLang="zh-TW"/>
           </a:p>
@@ -1313,7 +1313,7 @@
               <a:pPr>
                 <a:defRPr/>
               </a:pPr>
-              <a:t>11/10/2018</a:t>
+              <a:t>4/17/2016</a:t>
             </a:fld>
             <a:endParaRPr lang="en-US" altLang="zh-TW"/>
           </a:p>
@@ -1515,7 +1515,7 @@
               <a:pPr>
                 <a:defRPr/>
               </a:pPr>
-              <a:t>11/10/2018</a:t>
+              <a:t>4/17/2016</a:t>
             </a:fld>
             <a:endParaRPr lang="en-US" altLang="zh-TW"/>
           </a:p>
@@ -1712,7 +1712,7 @@
               <a:pPr>
                 <a:defRPr/>
               </a:pPr>
-              <a:t>11/10/2018</a:t>
+              <a:t>4/17/2016</a:t>
             </a:fld>
             <a:endParaRPr lang="en-US" altLang="zh-TW"/>
           </a:p>
@@ -2772,7 +2772,7 @@
               <a:pPr>
                 <a:defRPr/>
               </a:pPr>
-              <a:t>11/10/2018</a:t>
+              <a:t>4/17/2016</a:t>
             </a:fld>
             <a:endParaRPr lang="en-US" altLang="zh-TW"/>
           </a:p>
@@ -3036,7 +3036,7 @@
               <a:pPr>
                 <a:defRPr/>
               </a:pPr>
-              <a:t>11/10/2018</a:t>
+              <a:t>4/17/2016</a:t>
             </a:fld>
             <a:endParaRPr lang="en-US" altLang="zh-TW"/>
           </a:p>
@@ -3395,7 +3395,7 @@
               <a:pPr>
                 <a:defRPr/>
               </a:pPr>
-              <a:t>11/10/2018</a:t>
+              <a:t>4/17/2016</a:t>
             </a:fld>
             <a:endParaRPr lang="en-US" altLang="zh-TW"/>
           </a:p>
@@ -3535,7 +3535,7 @@
               <a:pPr>
                 <a:defRPr/>
               </a:pPr>
-              <a:t>11/10/2018</a:t>
+              <a:t>4/17/2016</a:t>
             </a:fld>
             <a:endParaRPr lang="en-US" altLang="zh-TW"/>
           </a:p>
@@ -3652,7 +3652,7 @@
               <a:pPr>
                 <a:defRPr/>
               </a:pPr>
-              <a:t>11/10/2018</a:t>
+              <a:t>4/17/2016</a:t>
             </a:fld>
             <a:endParaRPr lang="en-US" altLang="zh-TW"/>
           </a:p>
@@ -4263,7 +4263,7 @@
               <a:pPr>
                 <a:defRPr/>
               </a:pPr>
-              <a:t>11/10/2018</a:t>
+              <a:t>4/17/2016</a:t>
             </a:fld>
             <a:endParaRPr lang="en-US" altLang="zh-TW"/>
           </a:p>
@@ -4872,7 +4872,7 @@
               <a:pPr>
                 <a:defRPr/>
               </a:pPr>
-              <a:t>11/10/2018</a:t>
+              <a:t>4/17/2016</a:t>
             </a:fld>
             <a:endParaRPr lang="en-US" altLang="zh-TW"/>
           </a:p>
@@ -5165,7 +5165,7 @@
               <a:pPr>
                 <a:defRPr/>
               </a:pPr>
-              <a:t>11/10/2018</a:t>
+              <a:t>4/17/2016</a:t>
             </a:fld>
             <a:endParaRPr lang="en-US" altLang="zh-TW"/>
           </a:p>
@@ -5989,16 +5989,10 @@
               <a:defRPr/>
             </a:pPr>
             <a:r>
-              <a:rPr lang="zh-CN" altLang="en-US" sz="6800" cap="none" dirty="0" smtClean="0">
-                <a:latin typeface="微軟正黑體" pitchFamily="34" charset="-120"/>
-                <a:ea typeface="微軟正黑體" pitchFamily="34" charset="-120"/>
-              </a:rPr>
+              <a:rPr lang="zh-CN" altLang="en-US" sz="6800" cap="none" dirty="0" smtClean="0"/>
               <a:t>配受賞賜</a:t>
             </a:r>
-            <a:endParaRPr lang="en-US" altLang="zh-TW" sz="6800" cap="none" dirty="0" smtClean="0">
-              <a:latin typeface="微軟正黑體" pitchFamily="34" charset="-120"/>
-              <a:ea typeface="微軟正黑體" pitchFamily="34" charset="-120"/>
-            </a:endParaRPr>
+            <a:endParaRPr lang="en-US" altLang="zh-TW" sz="6800" cap="none" dirty="0" smtClean="0"/>
           </a:p>
         </p:txBody>
       </p:sp>
@@ -6024,79 +6018,46 @@
           <a:p>
             <a:pPr eaLnBrk="1" hangingPunct="1"/>
             <a:r>
-              <a:rPr lang="zh-CN" altLang="en-US" dirty="0" smtClean="0">
-                <a:latin typeface="微軟正黑體" pitchFamily="34" charset="-120"/>
-                <a:ea typeface="微軟正黑體" pitchFamily="34" charset="-120"/>
-              </a:rPr>
+              <a:rPr lang="zh-CN" altLang="en-US" dirty="0" smtClean="0"/>
               <a:t>太</a:t>
             </a:r>
             <a:r>
-              <a:rPr lang="en-US" altLang="zh-CN" dirty="0" smtClean="0">
-                <a:latin typeface="微軟正黑體" pitchFamily="34" charset="-120"/>
-                <a:ea typeface="微軟正黑體" pitchFamily="34" charset="-120"/>
-              </a:rPr>
+              <a:rPr lang="en-US" altLang="zh-CN" dirty="0" smtClean="0"/>
               <a:t>25</a:t>
             </a:r>
             <a:r>
-              <a:rPr lang="zh-CN" altLang="en-US" dirty="0" smtClean="0">
-                <a:latin typeface="微軟正黑體" pitchFamily="34" charset="-120"/>
-                <a:ea typeface="微軟正黑體" pitchFamily="34" charset="-120"/>
-              </a:rPr>
+              <a:rPr lang="zh-CN" altLang="en-US" dirty="0" smtClean="0"/>
               <a:t>：</a:t>
             </a:r>
             <a:r>
-              <a:rPr lang="en-US" altLang="zh-CN" dirty="0" smtClean="0">
-                <a:latin typeface="微軟正黑體" pitchFamily="34" charset="-120"/>
-                <a:ea typeface="微軟正黑體" pitchFamily="34" charset="-120"/>
-              </a:rPr>
+              <a:rPr lang="en-US" altLang="zh-CN" dirty="0" smtClean="0"/>
               <a:t>31-40</a:t>
             </a:r>
             <a:r>
-              <a:rPr lang="zh-CN" altLang="en-US" dirty="0" smtClean="0">
-                <a:latin typeface="微軟正黑體" pitchFamily="34" charset="-120"/>
-                <a:ea typeface="微軟正黑體" pitchFamily="34" charset="-120"/>
-              </a:rPr>
+              <a:rPr lang="zh-CN" altLang="en-US" dirty="0" smtClean="0"/>
               <a:t>；</a:t>
             </a:r>
             <a:r>
-              <a:rPr lang="en-US" altLang="zh-CN" dirty="0" smtClean="0">
-                <a:latin typeface="微軟正黑體" pitchFamily="34" charset="-120"/>
-                <a:ea typeface="微軟正黑體" pitchFamily="34" charset="-120"/>
-              </a:rPr>
+              <a:rPr lang="en-US" altLang="zh-CN" dirty="0" smtClean="0"/>
               <a:t>10</a:t>
             </a:r>
             <a:r>
-              <a:rPr lang="zh-CN" altLang="en-US" dirty="0" smtClean="0">
-                <a:latin typeface="微軟正黑體" pitchFamily="34" charset="-120"/>
-                <a:ea typeface="微軟正黑體" pitchFamily="34" charset="-120"/>
-              </a:rPr>
+              <a:rPr lang="zh-CN" altLang="en-US" dirty="0" smtClean="0"/>
               <a:t>：</a:t>
             </a:r>
             <a:r>
-              <a:rPr lang="en-US" altLang="zh-CN" dirty="0" smtClean="0">
-                <a:latin typeface="微軟正黑體" pitchFamily="34" charset="-120"/>
-                <a:ea typeface="微軟正黑體" pitchFamily="34" charset="-120"/>
-              </a:rPr>
+              <a:rPr lang="en-US" altLang="zh-CN" dirty="0" smtClean="0"/>
               <a:t>40</a:t>
             </a:r>
             <a:r>
-              <a:rPr lang="zh-CN" altLang="en-US" dirty="0" smtClean="0">
-                <a:latin typeface="微軟正黑體" pitchFamily="34" charset="-120"/>
-                <a:ea typeface="微軟正黑體" pitchFamily="34" charset="-120"/>
-              </a:rPr>
+              <a:rPr lang="zh-CN" altLang="en-US" dirty="0" smtClean="0"/>
               <a:t>，</a:t>
             </a:r>
             <a:r>
-              <a:rPr lang="en-US" altLang="zh-CN" dirty="0" smtClean="0">
-                <a:latin typeface="微軟正黑體" pitchFamily="34" charset="-120"/>
-                <a:ea typeface="微軟正黑體" pitchFamily="34" charset="-120"/>
-              </a:rPr>
+              <a:rPr lang="en-US" altLang="zh-CN" dirty="0" smtClean="0"/>
               <a:t>42</a:t>
             </a:r>
-            <a:endParaRPr lang="en-US" altLang="zh-TW" dirty="0" smtClean="0">
-              <a:latin typeface="微軟正黑體" pitchFamily="34" charset="-120"/>
-              <a:ea typeface="微軟正黑體" pitchFamily="34" charset="-120"/>
-            </a:endParaRPr>
+            <a:endParaRPr lang="en-US" altLang="zh-TW" dirty="0" smtClean="0"/>
           </a:p>
         </p:txBody>
       </p:sp>
@@ -6153,30 +6114,30 @@
           <a:lstStyle/>
           <a:p>
             <a:r>
-              <a:rPr lang="zh-TW" altLang="en-US" sz="6000" dirty="0" smtClean="0">
-                <a:latin typeface="微軟正黑體" pitchFamily="34" charset="-120"/>
-                <a:ea typeface="微軟正黑體" pitchFamily="34" charset="-120"/>
-              </a:rPr>
-              <a:t>當人子在他榮耀裡，同著眾天使降臨的時候，要坐在他榮耀的寶座上</a:t>
-            </a:r>
-            <a:endParaRPr lang="en-US" altLang="zh-TW" sz="6000" dirty="0" smtClean="0">
-              <a:latin typeface="微軟正黑體" pitchFamily="34" charset="-120"/>
-              <a:ea typeface="微軟正黑體" pitchFamily="34" charset="-120"/>
-            </a:endParaRPr>
-          </a:p>
-          <a:p>
-            <a:r>
-              <a:rPr lang="zh-TW" altLang="en-US" sz="6000" b="1" dirty="0" smtClean="0">
-                <a:latin typeface="微軟正黑體" pitchFamily="34" charset="-120"/>
-                <a:ea typeface="微軟正黑體" pitchFamily="34" charset="-120"/>
-              </a:rPr>
-              <a:t>萬民都要聚集在他面前。他要把他們分別出來，好像牧羊的分別綿羊山羊一般，</a:t>
-            </a:r>
-            <a:r>
-              <a:rPr lang="en-US" altLang="zh-TW" sz="6000" b="1" dirty="0" smtClean="0">
-                <a:latin typeface="微軟正黑體" pitchFamily="34" charset="-120"/>
-                <a:ea typeface="微軟正黑體" pitchFamily="34" charset="-120"/>
-              </a:rPr>
+              <a:rPr lang="zh-TW" altLang="en-US" sz="6000" dirty="0" smtClean="0"/>
+              <a:t>當</a:t>
+            </a:r>
+            <a:r>
+              <a:rPr lang="zh-TW" altLang="en-US" sz="6000" dirty="0" smtClean="0"/>
+              <a:t>人子在他榮耀裡，同著眾天使降臨的時候，要坐在他榮耀的寶座</a:t>
+            </a:r>
+            <a:r>
+              <a:rPr lang="zh-TW" altLang="en-US" sz="6000" dirty="0" smtClean="0"/>
+              <a:t>上</a:t>
+            </a:r>
+            <a:endParaRPr lang="en-US" altLang="zh-TW" sz="6000" dirty="0" smtClean="0"/>
+          </a:p>
+          <a:p>
+            <a:r>
+              <a:rPr lang="zh-TW" altLang="en-US" sz="6000" b="1" dirty="0" smtClean="0"/>
+              <a:t>萬</a:t>
+            </a:r>
+            <a:r>
+              <a:rPr lang="zh-TW" altLang="en-US" sz="6000" b="1" dirty="0" smtClean="0"/>
+              <a:t>民都要聚集在他面前。他要把他們分別出來，好像牧羊的分別綿羊山羊一般，</a:t>
+            </a:r>
+            <a:r>
+              <a:rPr lang="en-US" altLang="zh-TW" sz="6000" b="1" dirty="0" smtClean="0"/>
               <a:t> </a:t>
             </a:r>
           </a:p>
@@ -6235,47 +6196,37 @@
           <a:lstStyle/>
           <a:p>
             <a:r>
-              <a:rPr lang="zh-TW" altLang="en-US" sz="6000" dirty="0" smtClean="0">
-                <a:latin typeface="微軟正黑體" pitchFamily="34" charset="-120"/>
-                <a:ea typeface="微軟正黑體" pitchFamily="34" charset="-120"/>
-              </a:rPr>
-              <a:t>把綿羊安置在右邊，山羊在左邊。</a:t>
-            </a:r>
-            <a:r>
-              <a:rPr lang="en-US" altLang="zh-TW" sz="6000" dirty="0" smtClean="0">
-                <a:latin typeface="微軟正黑體" pitchFamily="34" charset="-120"/>
-                <a:ea typeface="微軟正黑體" pitchFamily="34" charset="-120"/>
-              </a:rPr>
+              <a:rPr lang="zh-TW" altLang="en-US" sz="6000" dirty="0" smtClean="0"/>
+              <a:t>把</a:t>
+            </a:r>
+            <a:r>
+              <a:rPr lang="zh-TW" altLang="en-US" sz="6000" dirty="0" smtClean="0"/>
+              <a:t>綿羊安置在右邊，山羊在左邊。</a:t>
+            </a:r>
+            <a:r>
+              <a:rPr lang="en-US" altLang="zh-TW" sz="6000" dirty="0" smtClean="0"/>
               <a:t> </a:t>
             </a:r>
           </a:p>
           <a:p>
             <a:r>
-              <a:rPr lang="zh-TW" altLang="en-US" sz="6000" b="1" dirty="0" smtClean="0">
-                <a:latin typeface="微軟正黑體" pitchFamily="34" charset="-120"/>
-                <a:ea typeface="微軟正黑體" pitchFamily="34" charset="-120"/>
-              </a:rPr>
-              <a:t>於是王要向那右邊的說：</a:t>
-            </a:r>
-            <a:r>
-              <a:rPr lang="en-US" altLang="zh-TW" sz="6000" b="1" dirty="0" smtClean="0">
-                <a:latin typeface="微軟正黑體" pitchFamily="34" charset="-120"/>
-                <a:ea typeface="微軟正黑體" pitchFamily="34" charset="-120"/>
-              </a:rPr>
+              <a:rPr lang="zh-TW" altLang="en-US" sz="6000" b="1" dirty="0" smtClean="0"/>
+              <a:t>於是</a:t>
+            </a:r>
+            <a:r>
+              <a:rPr lang="zh-TW" altLang="en-US" sz="6000" b="1" dirty="0" smtClean="0"/>
+              <a:t>王要向那右邊的說：</a:t>
+            </a:r>
+            <a:r>
+              <a:rPr lang="en-US" altLang="zh-TW" sz="6000" b="1" dirty="0" smtClean="0"/>
               <a:t>『</a:t>
             </a:r>
             <a:r>
-              <a:rPr lang="zh-TW" altLang="en-US" sz="6000" b="1" dirty="0" smtClean="0">
-                <a:latin typeface="微軟正黑體" pitchFamily="34" charset="-120"/>
-                <a:ea typeface="微軟正黑體" pitchFamily="34" charset="-120"/>
-              </a:rPr>
+              <a:rPr lang="zh-TW" altLang="en-US" sz="6000" b="1" dirty="0" smtClean="0"/>
               <a:t>你們這蒙我父賜福的，可來承受那創世以來為你們所預備的國；</a:t>
             </a:r>
             <a:r>
-              <a:rPr lang="en-US" altLang="zh-TW" sz="6000" b="1" dirty="0" smtClean="0">
-                <a:latin typeface="微軟正黑體" pitchFamily="34" charset="-120"/>
-                <a:ea typeface="微軟正黑體" pitchFamily="34" charset="-120"/>
-              </a:rPr>
+              <a:rPr lang="en-US" altLang="zh-TW" sz="6000" b="1" dirty="0" smtClean="0"/>
               <a:t> </a:t>
             </a:r>
           </a:p>
@@ -6334,33 +6285,29 @@
           <a:lstStyle/>
           <a:p>
             <a:r>
-              <a:rPr lang="zh-TW" altLang="en-US" sz="6000" dirty="0" smtClean="0">
-                <a:latin typeface="微軟正黑體" pitchFamily="34" charset="-120"/>
-                <a:ea typeface="微軟正黑體" pitchFamily="34" charset="-120"/>
-              </a:rPr>
-              <a:t>因為我餓了，你們給我吃，渴了，你們給我喝；我作客旅，你們留我住；</a:t>
-            </a:r>
-            <a:r>
-              <a:rPr lang="en-US" altLang="zh-TW" sz="6000" dirty="0" smtClean="0">
-                <a:latin typeface="微軟正黑體" pitchFamily="34" charset="-120"/>
-                <a:ea typeface="微軟正黑體" pitchFamily="34" charset="-120"/>
-              </a:rPr>
+              <a:rPr lang="zh-TW" altLang="en-US" sz="6000" dirty="0" smtClean="0"/>
+              <a:t>因為</a:t>
+            </a:r>
+            <a:r>
+              <a:rPr lang="zh-TW" altLang="en-US" sz="6000" dirty="0" smtClean="0"/>
+              <a:t>我餓了，你們給我吃，渴了，你們給我喝；我作客旅，你們留我住；</a:t>
+            </a:r>
+            <a:r>
+              <a:rPr lang="en-US" altLang="zh-TW" sz="6000" dirty="0" smtClean="0"/>
               <a:t> </a:t>
             </a:r>
           </a:p>
           <a:p>
             <a:r>
-              <a:rPr lang="zh-TW" altLang="en-US" sz="6000" b="1" dirty="0" smtClean="0">
-                <a:latin typeface="微軟正黑體" pitchFamily="34" charset="-120"/>
-                <a:ea typeface="微軟正黑體" pitchFamily="34" charset="-120"/>
-              </a:rPr>
-              <a:t>我赤身露體，你們給我穿；我病了、你們看顧我；我在監裡，你們來看我。</a:t>
-            </a:r>
-            <a:r>
-              <a:rPr lang="en-US" altLang="zh-TW" sz="6000" b="1" dirty="0" smtClean="0">
-                <a:latin typeface="微軟正黑體" pitchFamily="34" charset="-120"/>
-                <a:ea typeface="微軟正黑體" pitchFamily="34" charset="-120"/>
-              </a:rPr>
+              <a:rPr lang="zh-TW" altLang="en-US" sz="6000" b="1" dirty="0" smtClean="0"/>
+              <a:t>我</a:t>
+            </a:r>
+            <a:r>
+              <a:rPr lang="zh-TW" altLang="en-US" sz="6000" b="1" dirty="0" smtClean="0"/>
+              <a:t>赤身露體，你們給我穿；我病了、你們看顧我；我在監裡，你們來看我。</a:t>
+            </a:r>
+            <a:r>
+              <a:rPr lang="en-US" altLang="zh-TW" sz="6000" b="1" dirty="0" smtClean="0"/>
               <a:t>』 </a:t>
             </a:r>
           </a:p>
@@ -6419,46 +6366,32 @@
           <a:lstStyle/>
           <a:p>
             <a:r>
-              <a:rPr lang="zh-TW" altLang="en-US" sz="6000" dirty="0" smtClean="0">
-                <a:latin typeface="微軟正黑體" pitchFamily="34" charset="-120"/>
-                <a:ea typeface="微軟正黑體" pitchFamily="34" charset="-120"/>
-              </a:rPr>
-              <a:t>義人就回答說：</a:t>
-            </a:r>
-            <a:r>
-              <a:rPr lang="en-US" altLang="zh-TW" sz="6000" dirty="0" smtClean="0">
-                <a:latin typeface="微軟正黑體" pitchFamily="34" charset="-120"/>
-                <a:ea typeface="微軟正黑體" pitchFamily="34" charset="-120"/>
-              </a:rPr>
+              <a:rPr lang="zh-TW" altLang="en-US" sz="6000" dirty="0" smtClean="0"/>
+              <a:t>義</a:t>
+            </a:r>
+            <a:r>
+              <a:rPr lang="zh-TW" altLang="en-US" sz="6000" dirty="0" smtClean="0"/>
+              <a:t>人就回答說：</a:t>
+            </a:r>
+            <a:r>
+              <a:rPr lang="en-US" altLang="zh-TW" sz="6000" dirty="0" smtClean="0"/>
               <a:t>『</a:t>
             </a:r>
             <a:r>
-              <a:rPr lang="zh-TW" altLang="en-US" sz="6000" dirty="0" smtClean="0">
-                <a:latin typeface="微軟正黑體" pitchFamily="34" charset="-120"/>
-                <a:ea typeface="微軟正黑體" pitchFamily="34" charset="-120"/>
-              </a:rPr>
+              <a:rPr lang="zh-TW" altLang="en-US" sz="6000" dirty="0" smtClean="0"/>
               <a:t>主啊，我們什麼時候見你餓了，給你吃，渴了，給你喝？</a:t>
             </a:r>
             <a:r>
-              <a:rPr lang="en-US" altLang="zh-TW" sz="6000" dirty="0" smtClean="0">
-                <a:latin typeface="微軟正黑體" pitchFamily="34" charset="-120"/>
-                <a:ea typeface="微軟正黑體" pitchFamily="34" charset="-120"/>
-              </a:rPr>
+              <a:rPr lang="en-US" altLang="zh-TW" sz="6000" dirty="0" smtClean="0"/>
               <a:t> </a:t>
             </a:r>
           </a:p>
           <a:p>
             <a:r>
-              <a:rPr lang="zh-TW" altLang="en-US" sz="6000" b="1" dirty="0" smtClean="0">
-                <a:latin typeface="微軟正黑體" pitchFamily="34" charset="-120"/>
-                <a:ea typeface="微軟正黑體" pitchFamily="34" charset="-120"/>
-              </a:rPr>
+              <a:rPr lang="zh-TW" altLang="en-US" sz="6000" b="1" dirty="0" smtClean="0"/>
               <a:t>什麼時候見你作客旅，留你住，或是赤身露體，給你穿？</a:t>
             </a:r>
-            <a:endParaRPr lang="en-US" altLang="zh-TW" sz="6000" b="1" dirty="0" smtClean="0">
-              <a:latin typeface="微軟正黑體" pitchFamily="34" charset="-120"/>
-              <a:ea typeface="微軟正黑體" pitchFamily="34" charset="-120"/>
-            </a:endParaRPr>
+            <a:endParaRPr lang="en-US" altLang="zh-TW" sz="6000" b="1" dirty="0" smtClean="0"/>
           </a:p>
         </p:txBody>
       </p:sp>
@@ -6515,47 +6448,37 @@
           <a:lstStyle/>
           <a:p>
             <a:r>
-              <a:rPr lang="zh-TW" altLang="en-US" sz="6000" dirty="0" smtClean="0">
-                <a:latin typeface="微軟正黑體" pitchFamily="34" charset="-120"/>
-                <a:ea typeface="微軟正黑體" pitchFamily="34" charset="-120"/>
-              </a:rPr>
-              <a:t>又什麼時候見你病了，或是在監裡，來看你呢？</a:t>
-            </a:r>
-            <a:r>
-              <a:rPr lang="en-US" altLang="zh-TW" sz="6000" dirty="0" smtClean="0">
-                <a:latin typeface="微軟正黑體" pitchFamily="34" charset="-120"/>
-                <a:ea typeface="微軟正黑體" pitchFamily="34" charset="-120"/>
-              </a:rPr>
+              <a:rPr lang="zh-TW" altLang="en-US" sz="6000" dirty="0" smtClean="0"/>
+              <a:t>又</a:t>
+            </a:r>
+            <a:r>
+              <a:rPr lang="zh-TW" altLang="en-US" sz="6000" dirty="0" smtClean="0"/>
+              <a:t>什麼時候見你病了，或是在監裡，來看你呢？</a:t>
+            </a:r>
+            <a:r>
+              <a:rPr lang="en-US" altLang="zh-TW" sz="6000" dirty="0" smtClean="0"/>
               <a:t>』 </a:t>
             </a:r>
           </a:p>
           <a:p>
             <a:r>
-              <a:rPr lang="zh-TW" altLang="en-US" sz="6000" b="1" dirty="0" smtClean="0">
-                <a:latin typeface="微軟正黑體" pitchFamily="34" charset="-120"/>
-                <a:ea typeface="微軟正黑體" pitchFamily="34" charset="-120"/>
-              </a:rPr>
-              <a:t>王要回答說：</a:t>
-            </a:r>
-            <a:r>
-              <a:rPr lang="en-US" altLang="zh-TW" sz="6000" b="1" dirty="0" smtClean="0">
-                <a:latin typeface="微軟正黑體" pitchFamily="34" charset="-120"/>
-                <a:ea typeface="微軟正黑體" pitchFamily="34" charset="-120"/>
-              </a:rPr>
+              <a:rPr lang="zh-TW" altLang="en-US" sz="6000" b="1" dirty="0" smtClean="0"/>
+              <a:t>王</a:t>
+            </a:r>
+            <a:r>
+              <a:rPr lang="zh-TW" altLang="en-US" sz="6000" b="1" dirty="0" smtClean="0"/>
+              <a:t>要回答說：</a:t>
+            </a:r>
+            <a:r>
+              <a:rPr lang="en-US" altLang="zh-TW" sz="6000" b="1" dirty="0" smtClean="0"/>
               <a:t>『</a:t>
             </a:r>
             <a:r>
-              <a:rPr lang="zh-TW" altLang="en-US" sz="6000" b="1" dirty="0" smtClean="0">
-                <a:latin typeface="微軟正黑體" pitchFamily="34" charset="-120"/>
-                <a:ea typeface="微軟正黑體" pitchFamily="34" charset="-120"/>
-              </a:rPr>
+              <a:rPr lang="zh-TW" altLang="en-US" sz="6000" b="1" dirty="0" smtClean="0"/>
               <a:t>我實在告訴你們，這些事你們既做在我這弟兄中一個最小的身上，就是做在我身上了。</a:t>
             </a:r>
             <a:r>
-              <a:rPr lang="en-US" altLang="zh-TW" sz="6000" b="1" dirty="0" smtClean="0">
-                <a:latin typeface="微軟正黑體" pitchFamily="34" charset="-120"/>
-                <a:ea typeface="微軟正黑體" pitchFamily="34" charset="-120"/>
-              </a:rPr>
+              <a:rPr lang="en-US" altLang="zh-TW" sz="6000" b="1" dirty="0" smtClean="0"/>
               <a:t>』 </a:t>
             </a:r>
           </a:p>
@@ -6614,39 +6537,36 @@
           <a:lstStyle/>
           <a:p>
             <a:r>
-              <a:rPr lang="zh-TW" altLang="en-US" sz="6000" dirty="0" smtClean="0">
-                <a:latin typeface="微軟正黑體" pitchFamily="34" charset="-120"/>
-                <a:ea typeface="微軟正黑體" pitchFamily="34" charset="-120"/>
-              </a:rPr>
-              <a:t>「人接待你們就是接待我；接待我就是接待那差我來的。</a:t>
-            </a:r>
-            <a:r>
-              <a:rPr lang="en-US" altLang="zh-TW" sz="6000" dirty="0" smtClean="0">
-                <a:latin typeface="微軟正黑體" pitchFamily="34" charset="-120"/>
-                <a:ea typeface="微軟正黑體" pitchFamily="34" charset="-120"/>
-              </a:rPr>
+              <a:rPr lang="zh-TW" altLang="en-US" sz="6000" dirty="0" smtClean="0"/>
+              <a:t>「</a:t>
+            </a:r>
+            <a:r>
+              <a:rPr lang="zh-TW" altLang="en-US" sz="6000" dirty="0" smtClean="0"/>
+              <a:t>人接待你們就是接待我；接待我就是接待那差我來的。</a:t>
+            </a:r>
+            <a:r>
+              <a:rPr lang="en-US" altLang="zh-TW" sz="6000" dirty="0" smtClean="0"/>
               <a:t> </a:t>
             </a:r>
-          </a:p>
-          <a:p>
-            <a:r>
-              <a:rPr lang="zh-TW" altLang="en-US" sz="6000" b="1" dirty="0" smtClean="0">
-                <a:latin typeface="微軟正黑體" pitchFamily="34" charset="-120"/>
-                <a:ea typeface="微軟正黑體" pitchFamily="34" charset="-120"/>
-              </a:rPr>
-              <a:t>無論何人，因為門徒的名，只把一杯涼水給這小子裡的一個喝，我實在告訴你們，這人不能不得</a:t>
-            </a:r>
-            <a:r>
-              <a:rPr lang="zh-TW" altLang="en-US" sz="6000" b="1" dirty="0" smtClean="0">
-                <a:latin typeface="微軟正黑體" pitchFamily="34" charset="-120"/>
-                <a:ea typeface="微軟正黑體" pitchFamily="34" charset="-120"/>
-              </a:rPr>
+            <a:endParaRPr lang="en-US" altLang="zh-TW" sz="6000" dirty="0" smtClean="0"/>
+          </a:p>
+          <a:p>
+            <a:r>
+              <a:rPr lang="zh-TW" altLang="en-US" sz="6000" b="1" dirty="0" smtClean="0"/>
+              <a:t>無論</a:t>
+            </a:r>
+            <a:r>
+              <a:rPr lang="zh-TW" altLang="en-US" sz="6000" b="1" dirty="0" smtClean="0"/>
+              <a:t>何人，因為門徒的名，只把一杯涼水給這小子裡的一個喝，我實在告訴你們，這人不能不得</a:t>
+            </a:r>
+            <a:r>
+              <a:rPr lang="zh-TW" altLang="en-US" sz="6000" b="1" dirty="0" smtClean="0"/>
               <a:t>賞賜</a:t>
             </a:r>
-            <a:endParaRPr lang="en-US" altLang="zh-TW" sz="6000" b="1" dirty="0" smtClean="0">
-              <a:latin typeface="微軟正黑體" pitchFamily="34" charset="-120"/>
-              <a:ea typeface="微軟正黑體" pitchFamily="34" charset="-120"/>
-            </a:endParaRPr>
+            <a:endParaRPr lang="en-US" altLang="zh-TW" sz="6000" b="1" dirty="0" smtClean="0"/>
+          </a:p>
+          <a:p>
+            <a:endParaRPr lang="en-US" altLang="zh-TW" sz="6000" dirty="0" smtClean="0"/>
           </a:p>
         </p:txBody>
       </p:sp>
